--- a/Presentation.pptx
+++ b/Presentation.pptx
@@ -206,7 +206,7 @@
           <a:p>
             <a:fld id="{71BD4573-58E7-4156-A133-2731F5F8D1A6}" type="datetimeFigureOut">
               <a:rPr lang="en-US" smtClean="0"/>
-              <a:t>12/18/2013</a:t>
+              <a:t>12/19/2013</a:t>
             </a:fld>
             <a:endParaRPr lang="en-US"/>
           </a:p>
@@ -597,7 +597,7 @@
           <a:p>
             <a:fld id="{021A1D30-C0A0-4124-A783-34D9F15FA0FE}" type="datetime1">
               <a:rPr lang="en-US" smtClean="0"/>
-              <a:t>12/18/2013</a:t>
+              <a:t>12/19/2013</a:t>
             </a:fld>
             <a:endParaRPr lang="en-US"/>
           </a:p>
@@ -980,7 +980,7 @@
           <a:p>
             <a:fld id="{8D2D5871-AB0F-4B3D-8861-97E78CB7B47E}" type="datetime1">
               <a:rPr lang="en-US" smtClean="0"/>
-              <a:t>12/18/2013</a:t>
+              <a:t>12/19/2013</a:t>
             </a:fld>
             <a:endParaRPr lang="en-US"/>
           </a:p>
@@ -1162,7 +1162,7 @@
           <a:p>
             <a:fld id="{14418406-4C3F-4F3E-80BD-A22568EA37EB}" type="datetime1">
               <a:rPr lang="en-US" smtClean="0"/>
-              <a:t>12/18/2013</a:t>
+              <a:t>12/19/2013</a:t>
             </a:fld>
             <a:endParaRPr lang="en-US"/>
           </a:p>
@@ -1354,7 +1354,7 @@
           <a:p>
             <a:fld id="{65F28077-7188-48C5-8679-2287FAC952E9}" type="datetime1">
               <a:rPr lang="en-US" smtClean="0"/>
-              <a:t>12/18/2013</a:t>
+              <a:t>12/19/2013</a:t>
             </a:fld>
             <a:endParaRPr lang="en-US"/>
           </a:p>
@@ -1536,7 +1536,7 @@
           <a:p>
             <a:fld id="{D2DCB740-6776-4EE9-99FD-96D592FA5A23}" type="datetime1">
               <a:rPr lang="en-US" smtClean="0"/>
-              <a:t>12/18/2013</a:t>
+              <a:t>12/19/2013</a:t>
             </a:fld>
             <a:endParaRPr lang="en-US"/>
           </a:p>
@@ -1781,7 +1781,7 @@
           <a:p>
             <a:fld id="{05F6BD99-6FFD-46C5-B5E2-43A34BDA2566}" type="datetime1">
               <a:rPr lang="en-US" smtClean="0"/>
-              <a:t>12/18/2013</a:t>
+              <a:t>12/19/2013</a:t>
             </a:fld>
             <a:endParaRPr lang="en-US"/>
           </a:p>
@@ -2062,7 +2062,7 @@
           <a:p>
             <a:fld id="{E022678E-214C-4CF8-97C7-95015FB02960}" type="datetime1">
               <a:rPr lang="en-US" smtClean="0"/>
-              <a:t>12/18/2013</a:t>
+              <a:t>12/19/2013</a:t>
             </a:fld>
             <a:endParaRPr lang="en-US"/>
           </a:p>
@@ -2457,7 +2457,7 @@
           <a:p>
             <a:fld id="{D55660E0-FA77-4473-A859-74127B089143}" type="datetime1">
               <a:rPr lang="en-US" smtClean="0"/>
-              <a:t>12/18/2013</a:t>
+              <a:t>12/19/2013</a:t>
             </a:fld>
             <a:endParaRPr lang="en-US"/>
           </a:p>
@@ -2624,7 +2624,7 @@
           <a:p>
             <a:fld id="{3188D7B8-9F07-4899-827D-5F3CFDDEB574}" type="datetime1">
               <a:rPr lang="en-US" smtClean="0"/>
-              <a:t>12/18/2013</a:t>
+              <a:t>12/19/2013</a:t>
             </a:fld>
             <a:endParaRPr lang="en-US"/>
           </a:p>
@@ -2731,7 +2731,7 @@
           <a:p>
             <a:fld id="{B5197C5C-1CD1-417D-A89C-14747F5222C7}" type="datetime1">
               <a:rPr lang="en-US" smtClean="0"/>
-              <a:t>12/18/2013</a:t>
+              <a:t>12/19/2013</a:t>
             </a:fld>
             <a:endParaRPr lang="en-US"/>
           </a:p>
@@ -3121,7 +3121,7 @@
           <a:p>
             <a:fld id="{1359EFBB-CFA1-4AA8-9123-F0B52DBD84FE}" type="datetime1">
               <a:rPr lang="en-US" smtClean="0"/>
-              <a:t>12/18/2013</a:t>
+              <a:t>12/19/2013</a:t>
             </a:fld>
             <a:endParaRPr lang="en-US"/>
           </a:p>
@@ -4188,7 +4188,7 @@
           <a:p>
             <a:fld id="{61146459-E3C3-4969-9224-5ED50B492D17}" type="datetime1">
               <a:rPr lang="en-US" smtClean="0"/>
-              <a:t>12/18/2013</a:t>
+              <a:t>12/19/2013</a:t>
             </a:fld>
             <a:endParaRPr lang="en-US"/>
           </a:p>
@@ -4826,9 +4826,18 @@
   <p:clrMapOvr>
     <a:masterClrMapping/>
   </p:clrMapOvr>
-  <p:transition spd="slow">
-    <p:push dir="u"/>
-  </p:transition>
+  <mc:AlternateContent xmlns:mc="http://schemas.openxmlformats.org/markup-compatibility/2006">
+    <mc:Choice xmlns:p14="http://schemas.microsoft.com/office/powerpoint/2010/main" Requires="p14">
+      <p:transition spd="med" p14:dur="700">
+        <p:fade/>
+      </p:transition>
+    </mc:Choice>
+    <mc:Fallback>
+      <p:transition spd="med">
+        <p:fade/>
+      </p:transition>
+    </mc:Fallback>
+  </mc:AlternateContent>
   <p:timing>
     <p:tnLst>
       <p:par>
@@ -4896,18 +4905,25 @@
   <p:clrMapOvr>
     <a:masterClrMapping/>
   </p:clrMapOvr>
-  <mc:AlternateContent xmlns:mc="http://schemas.openxmlformats.org/markup-compatibility/2006">
-    <mc:Choice xmlns:p14="http://schemas.microsoft.com/office/powerpoint/2010/main" Requires="p14">
+  <mc:AlternateContent xmlns:mc="http://schemas.openxmlformats.org/markup-compatibility/2006" xmlns:p14="http://schemas.microsoft.com/office/powerpoint/2010/main">
+    <mc:Choice Requires="p14">
       <p:transition spd="med" p14:dur="700">
         <p:fade/>
       </p:transition>
     </mc:Choice>
-    <mc:Fallback>
+    <mc:Fallback xmlns="">
       <p:transition spd="med">
         <p:fade/>
       </p:transition>
     </mc:Fallback>
   </mc:AlternateContent>
+  <p:timing>
+    <p:tnLst>
+      <p:par>
+        <p:cTn id="1" dur="indefinite" restart="never" nodeType="tmRoot"/>
+      </p:par>
+    </p:tnLst>
+  </p:timing>
 </p:sld>
 </file>
 
@@ -5046,9 +5062,18 @@
   <p:clrMapOvr>
     <a:masterClrMapping/>
   </p:clrMapOvr>
-  <p:transition spd="slow">
-    <p:push dir="u"/>
-  </p:transition>
+  <mc:AlternateContent xmlns:mc="http://schemas.openxmlformats.org/markup-compatibility/2006">
+    <mc:Choice xmlns:p14="http://schemas.microsoft.com/office/powerpoint/2010/main" Requires="p14">
+      <p:transition spd="med" p14:dur="700">
+        <p:fade/>
+      </p:transition>
+    </mc:Choice>
+    <mc:Fallback>
+      <p:transition spd="med">
+        <p:fade/>
+      </p:transition>
+    </mc:Fallback>
+  </mc:AlternateContent>
   <p:timing>
     <p:tnLst>
       <p:par>
@@ -5145,18 +5170,25 @@
   <p:clrMapOvr>
     <a:masterClrMapping/>
   </p:clrMapOvr>
-  <mc:AlternateContent xmlns:mc="http://schemas.openxmlformats.org/markup-compatibility/2006">
-    <mc:Choice xmlns:p14="http://schemas.microsoft.com/office/powerpoint/2010/main" Requires="p14">
+  <mc:AlternateContent xmlns:mc="http://schemas.openxmlformats.org/markup-compatibility/2006" xmlns:p14="http://schemas.microsoft.com/office/powerpoint/2010/main">
+    <mc:Choice Requires="p14">
       <p:transition spd="med" p14:dur="700">
         <p:fade/>
       </p:transition>
     </mc:Choice>
-    <mc:Fallback>
+    <mc:Fallback xmlns="">
       <p:transition spd="med">
         <p:fade/>
       </p:transition>
     </mc:Fallback>
   </mc:AlternateContent>
+  <p:timing>
+    <p:tnLst>
+      <p:par>
+        <p:cTn id="1" dur="indefinite" restart="never" nodeType="tmRoot"/>
+      </p:par>
+    </p:tnLst>
+  </p:timing>
 </p:sld>
 </file>
 
@@ -5245,18 +5277,25 @@
   <p:clrMapOvr>
     <a:masterClrMapping/>
   </p:clrMapOvr>
-  <mc:AlternateContent xmlns:mc="http://schemas.openxmlformats.org/markup-compatibility/2006">
-    <mc:Choice xmlns:p14="http://schemas.microsoft.com/office/powerpoint/2010/main" Requires="p14">
+  <mc:AlternateContent xmlns:mc="http://schemas.openxmlformats.org/markup-compatibility/2006" xmlns:p14="http://schemas.microsoft.com/office/powerpoint/2010/main">
+    <mc:Choice Requires="p14">
       <p:transition spd="med" p14:dur="700">
         <p:fade/>
       </p:transition>
     </mc:Choice>
-    <mc:Fallback>
+    <mc:Fallback xmlns="">
       <p:transition spd="med">
         <p:fade/>
       </p:transition>
     </mc:Fallback>
   </mc:AlternateContent>
+  <p:timing>
+    <p:tnLst>
+      <p:par>
+        <p:cTn id="1" dur="indefinite" restart="never" nodeType="tmRoot"/>
+      </p:par>
+    </p:tnLst>
+  </p:timing>
 </p:sld>
 </file>
 
@@ -5346,9 +5385,18 @@
   <p:clrMapOvr>
     <a:masterClrMapping/>
   </p:clrMapOvr>
-  <p:transition spd="slow">
-    <p:push dir="u"/>
-  </p:transition>
+  <mc:AlternateContent xmlns:mc="http://schemas.openxmlformats.org/markup-compatibility/2006">
+    <mc:Choice xmlns:p14="http://schemas.microsoft.com/office/powerpoint/2010/main" Requires="p14">
+      <p:transition spd="med" p14:dur="700">
+        <p:fade/>
+      </p:transition>
+    </mc:Choice>
+    <mc:Fallback>
+      <p:transition spd="med">
+        <p:fade/>
+      </p:transition>
+    </mc:Fallback>
+  </mc:AlternateContent>
   <p:timing>
     <p:tnLst>
       <p:par>
@@ -5409,7 +5457,7 @@
             <p:ph idx="1"/>
             <p:extLst>
               <p:ext uri="{D42A27DB-BD31-4B8C-83A1-F6EECF244321}">
-                <p14:modId xmlns:p14="http://schemas.microsoft.com/office/powerpoint/2010/main" val="535379650"/>
+                <p14:modId xmlns:p14="http://schemas.microsoft.com/office/powerpoint/2010/main" val="679973292"/>
               </p:ext>
             </p:extLst>
           </p:nvPr>
@@ -5651,7 +5699,7 @@
                     <a:p>
                       <a:r>
                         <a:rPr lang="en-IN" dirty="0" smtClean="0"/>
-                        <a:t>Enthusiastic</a:t>
+                        <a:t>Focused</a:t>
                       </a:r>
                       <a:endParaRPr lang="en-IN" dirty="0"/>
                     </a:p>
@@ -5835,7 +5883,31 @@
                           <a:ea typeface="+mn-ea"/>
                           <a:cs typeface="+mn-cs"/>
                         </a:rPr>
-                        <a:t>lip suck, lid droop, eyes closed, eyes turn right/left/up/down</a:t>
+                        <a:t>lip suck, </a:t>
+                      </a:r>
+                      <a:r>
+                        <a:rPr kumimoji="0" lang="en-US" sz="1800" kern="1200" dirty="0" smtClean="0">
+                          <a:solidFill>
+                            <a:schemeClr val="dk1"/>
+                          </a:solidFill>
+                          <a:effectLst/>
+                          <a:latin typeface="+mn-lt"/>
+                          <a:ea typeface="+mn-ea"/>
+                          <a:cs typeface="+mn-cs"/>
+                        </a:rPr>
+                        <a:t>eyes </a:t>
+                      </a:r>
+                      <a:r>
+                        <a:rPr kumimoji="0" lang="en-US" sz="1800" kern="1200" dirty="0" smtClean="0">
+                          <a:solidFill>
+                            <a:schemeClr val="dk1"/>
+                          </a:solidFill>
+                          <a:effectLst/>
+                          <a:latin typeface="+mn-lt"/>
+                          <a:ea typeface="+mn-ea"/>
+                          <a:cs typeface="+mn-cs"/>
+                        </a:rPr>
+                        <a:t>closed, eyes turn right/left/up/down</a:t>
                       </a:r>
                       <a:endParaRPr lang="en-IN" dirty="0"/>
                     </a:p>
@@ -5947,7 +6019,19 @@
                           <a:ea typeface="+mn-ea"/>
                           <a:cs typeface="+mn-cs"/>
                         </a:rPr>
-                        <a:t>hands behind the head; body shifted; hands below the chin, </a:t>
+                        <a:t>hands behind the head; body </a:t>
+                      </a:r>
+                      <a:r>
+                        <a:rPr kumimoji="0" lang="en-US" sz="1800" kern="1200" dirty="0" smtClean="0">
+                          <a:solidFill>
+                            <a:schemeClr val="dk1"/>
+                          </a:solidFill>
+                          <a:effectLst/>
+                          <a:latin typeface="+mn-lt"/>
+                          <a:ea typeface="+mn-ea"/>
+                          <a:cs typeface="+mn-cs"/>
+                        </a:rPr>
+                        <a:t>motion; </a:t>
                       </a:r>
                       <a:endParaRPr lang="en-IN" dirty="0"/>
                     </a:p>
@@ -5991,9 +6075,18 @@
   <p:clrMapOvr>
     <a:masterClrMapping/>
   </p:clrMapOvr>
-  <p:transition spd="slow">
-    <p:push dir="u"/>
-  </p:transition>
+  <mc:AlternateContent xmlns:mc="http://schemas.openxmlformats.org/markup-compatibility/2006">
+    <mc:Choice xmlns:p14="http://schemas.microsoft.com/office/powerpoint/2010/main" Requires="p14">
+      <p:transition spd="med" p14:dur="700">
+        <p:fade/>
+      </p:transition>
+    </mc:Choice>
+    <mc:Fallback>
+      <p:transition spd="med">
+        <p:fade/>
+      </p:transition>
+    </mc:Fallback>
+  </mc:AlternateContent>
   <p:timing>
     <p:tnLst>
       <p:par>
@@ -6076,14 +6169,24 @@
           <a:p>
             <a:r>
               <a:rPr lang="en-IN" dirty="0" smtClean="0"/>
-              <a:t>90: Neutral</a:t>
-            </a:r>
-          </a:p>
-          <a:p>
+              <a:t>90: </a:t>
+            </a:r>
             <a:r>
               <a:rPr lang="en-IN" dirty="0" smtClean="0"/>
-              <a:t>70: Enthusiastic</a:t>
-            </a:r>
+              <a:t> Neutral</a:t>
+            </a:r>
+            <a:endParaRPr lang="en-IN" dirty="0" smtClean="0"/>
+          </a:p>
+          <a:p>
+            <a:r>
+              <a:rPr lang="en-IN" dirty="0" smtClean="0"/>
+              <a:t>70</a:t>
+            </a:r>
+            <a:r>
+              <a:rPr lang="en-IN" dirty="0" smtClean="0"/>
+              <a:t>:  Focused</a:t>
+            </a:r>
+            <a:endParaRPr lang="en-IN" dirty="0" smtClean="0"/>
           </a:p>
           <a:p>
             <a:endParaRPr lang="en-IN" dirty="0" smtClean="0"/>
@@ -6146,9 +6249,18 @@
   <p:clrMapOvr>
     <a:masterClrMapping/>
   </p:clrMapOvr>
-  <p:transition spd="slow">
-    <p:push dir="u"/>
-  </p:transition>
+  <mc:AlternateContent xmlns:mc="http://schemas.openxmlformats.org/markup-compatibility/2006">
+    <mc:Choice xmlns:p14="http://schemas.microsoft.com/office/powerpoint/2010/main" Requires="p14">
+      <p:transition spd="med" p14:dur="700">
+        <p:fade/>
+      </p:transition>
+    </mc:Choice>
+    <mc:Fallback>
+      <p:transition spd="med">
+        <p:fade/>
+      </p:transition>
+    </mc:Fallback>
+  </mc:AlternateContent>
   <p:timing>
     <p:tnLst>
       <p:par>
@@ -6196,11 +6308,7 @@
             </a:pPr>
             <a:r>
               <a:rPr lang="en-US" dirty="0" smtClean="0"/>
-              <a:t>Three values namely: Roll, Pitc</a:t>
-            </a:r>
-            <a:r>
-              <a:rPr lang="en-US" dirty="0" smtClean="0"/>
-              <a:t>h and Yaw values were considered </a:t>
+              <a:t>Three values namely: Roll, Pitch and Yaw values were considered </a:t>
             </a:r>
           </a:p>
           <a:p>
@@ -6216,6 +6324,10 @@
               <a:rPr lang="en-US" dirty="0" smtClean="0"/>
               <a:t>                                                     </a:t>
             </a:r>
+            <a:r>
+              <a:rPr lang="en-US" dirty="0" smtClean="0"/>
+              <a:t>in order to decode various facial gestures </a:t>
+            </a:r>
           </a:p>
           <a:p>
             <a:pPr>
@@ -6228,6 +6340,25 @@
             </a:r>
             <a:r>
               <a:rPr lang="en-US" dirty="0" smtClean="0"/>
+              <a:t>                                                     such as head tilt, head shaking</a:t>
+            </a:r>
+            <a:r>
+              <a:rPr lang="en-US" smtClean="0"/>
+              <a:t>, nodding.</a:t>
+            </a:r>
+            <a:endParaRPr lang="en-US" dirty="0" smtClean="0"/>
+          </a:p>
+          <a:p>
+            <a:pPr>
+              <a:buFont typeface="Arial" panose="020B0604020202020204" pitchFamily="34" charset="0"/>
+              <a:buChar char="•"/>
+            </a:pPr>
+            <a:r>
+              <a:rPr lang="en-US" dirty="0"/>
+              <a:t> </a:t>
+            </a:r>
+            <a:r>
+              <a:rPr lang="en-US" dirty="0" smtClean="0"/>
               <a:t>                                                </a:t>
             </a:r>
             <a:endParaRPr lang="en-US" dirty="0"/>
@@ -6251,11 +6382,7 @@
           <a:p>
             <a:r>
               <a:rPr lang="en-US" dirty="0" smtClean="0"/>
-              <a:t>Th</a:t>
-            </a:r>
-            <a:r>
-              <a:rPr lang="en-US" dirty="0" smtClean="0"/>
-              <a:t>e Algorithm: Facial Gestures</a:t>
+              <a:t>The Algorithm: Facial Gestures</a:t>
             </a:r>
             <a:endParaRPr lang="en-US" dirty="0"/>
           </a:p>
@@ -6370,7 +6497,11 @@
             <a:pPr lvl="1"/>
             <a:r>
               <a:rPr lang="en-US" dirty="0" smtClean="0"/>
-              <a:t>Gestures can be read from a distance, when expressions are not visible</a:t>
+              <a:t>Gestures </a:t>
+            </a:r>
+            <a:r>
+              <a:rPr lang="en-US" dirty="0" smtClean="0"/>
+              <a:t>can be read from a distance, when expressions are not visible</a:t>
             </a:r>
           </a:p>
           <a:p>
